--- a/Figures/Ewers Evidence for land sparing and potential_bl.pptx
+++ b/Figures/Ewers Evidence for land sparing and potential_bl.pptx
@@ -207,7 +207,7 @@
           <a:p>
             <a:fld id="{CC728BB3-BF71-4742-A934-AAD631284D2A}" type="datetimeFigureOut">
               <a:rPr lang="en-US" smtClean="0"/>
-              <a:t>2/17/2021</a:t>
+              <a:t>2/18/2021</a:t>
             </a:fld>
             <a:endParaRPr lang="en-US"/>
           </a:p>
@@ -705,7 +705,7 @@
           <a:p>
             <a:fld id="{33ED58D5-F633-44DF-B25D-8D448984F92F}" type="datetimeFigureOut">
               <a:rPr lang="en-US" smtClean="0"/>
-              <a:t>2/17/2021</a:t>
+              <a:t>2/18/2021</a:t>
             </a:fld>
             <a:endParaRPr lang="en-US"/>
           </a:p>
@@ -903,7 +903,7 @@
           <a:p>
             <a:fld id="{33ED58D5-F633-44DF-B25D-8D448984F92F}" type="datetimeFigureOut">
               <a:rPr lang="en-US" smtClean="0"/>
-              <a:t>2/17/2021</a:t>
+              <a:t>2/18/2021</a:t>
             </a:fld>
             <a:endParaRPr lang="en-US"/>
           </a:p>
@@ -1111,7 +1111,7 @@
           <a:p>
             <a:fld id="{33ED58D5-F633-44DF-B25D-8D448984F92F}" type="datetimeFigureOut">
               <a:rPr lang="en-US" smtClean="0"/>
-              <a:t>2/17/2021</a:t>
+              <a:t>2/18/2021</a:t>
             </a:fld>
             <a:endParaRPr lang="en-US"/>
           </a:p>
@@ -1309,7 +1309,7 @@
           <a:p>
             <a:fld id="{33ED58D5-F633-44DF-B25D-8D448984F92F}" type="datetimeFigureOut">
               <a:rPr lang="en-US" smtClean="0"/>
-              <a:t>2/17/2021</a:t>
+              <a:t>2/18/2021</a:t>
             </a:fld>
             <a:endParaRPr lang="en-US"/>
           </a:p>
@@ -1584,7 +1584,7 @@
           <a:p>
             <a:fld id="{33ED58D5-F633-44DF-B25D-8D448984F92F}" type="datetimeFigureOut">
               <a:rPr lang="en-US" smtClean="0"/>
-              <a:t>2/17/2021</a:t>
+              <a:t>2/18/2021</a:t>
             </a:fld>
             <a:endParaRPr lang="en-US"/>
           </a:p>
@@ -1849,7 +1849,7 @@
           <a:p>
             <a:fld id="{33ED58D5-F633-44DF-B25D-8D448984F92F}" type="datetimeFigureOut">
               <a:rPr lang="en-US" smtClean="0"/>
-              <a:t>2/17/2021</a:t>
+              <a:t>2/18/2021</a:t>
             </a:fld>
             <a:endParaRPr lang="en-US"/>
           </a:p>
@@ -2261,7 +2261,7 @@
           <a:p>
             <a:fld id="{33ED58D5-F633-44DF-B25D-8D448984F92F}" type="datetimeFigureOut">
               <a:rPr lang="en-US" smtClean="0"/>
-              <a:t>2/17/2021</a:t>
+              <a:t>2/18/2021</a:t>
             </a:fld>
             <a:endParaRPr lang="en-US"/>
           </a:p>
@@ -2402,7 +2402,7 @@
           <a:p>
             <a:fld id="{33ED58D5-F633-44DF-B25D-8D448984F92F}" type="datetimeFigureOut">
               <a:rPr lang="en-US" smtClean="0"/>
-              <a:t>2/17/2021</a:t>
+              <a:t>2/18/2021</a:t>
             </a:fld>
             <a:endParaRPr lang="en-US"/>
           </a:p>
@@ -2515,7 +2515,7 @@
           <a:p>
             <a:fld id="{33ED58D5-F633-44DF-B25D-8D448984F92F}" type="datetimeFigureOut">
               <a:rPr lang="en-US" smtClean="0"/>
-              <a:t>2/17/2021</a:t>
+              <a:t>2/18/2021</a:t>
             </a:fld>
             <a:endParaRPr lang="en-US"/>
           </a:p>
@@ -2826,7 +2826,7 @@
           <a:p>
             <a:fld id="{33ED58D5-F633-44DF-B25D-8D448984F92F}" type="datetimeFigureOut">
               <a:rPr lang="en-US" smtClean="0"/>
-              <a:t>2/17/2021</a:t>
+              <a:t>2/18/2021</a:t>
             </a:fld>
             <a:endParaRPr lang="en-US"/>
           </a:p>
@@ -3114,7 +3114,7 @@
           <a:p>
             <a:fld id="{33ED58D5-F633-44DF-B25D-8D448984F92F}" type="datetimeFigureOut">
               <a:rPr lang="en-US" smtClean="0"/>
-              <a:t>2/17/2021</a:t>
+              <a:t>2/18/2021</a:t>
             </a:fld>
             <a:endParaRPr lang="en-US"/>
           </a:p>
@@ -3355,7 +3355,7 @@
           <a:p>
             <a:fld id="{33ED58D5-F633-44DF-B25D-8D448984F92F}" type="datetimeFigureOut">
               <a:rPr lang="en-US" smtClean="0"/>
-              <a:t>2/17/2021</a:t>
+              <a:t>2/18/2021</a:t>
             </a:fld>
             <a:endParaRPr lang="en-US"/>
           </a:p>
@@ -4419,12 +4419,46 @@
           <a:chExt cx="0" cy="0"/>
         </a:xfrm>
       </p:grpSpPr>
+      <p:sp>
+        <p:nvSpPr>
+          <p:cNvPr id="2" name="Title 1">
+            <a:extLst>
+              <a:ext uri="{FF2B5EF4-FFF2-40B4-BE49-F238E27FC236}">
+                <a16:creationId xmlns:a16="http://schemas.microsoft.com/office/drawing/2014/main" id="{930A8E1A-D745-404F-97F0-57B90B7FB27F}"/>
+              </a:ext>
+            </a:extLst>
+          </p:cNvPr>
+          <p:cNvSpPr>
+            <a:spLocks noGrp="1"/>
+          </p:cNvSpPr>
+          <p:nvPr>
+            <p:ph type="title"/>
+          </p:nvPr>
+        </p:nvSpPr>
+        <p:spPr>
+          <a:xfrm>
+            <a:off x="0" y="-243281"/>
+            <a:ext cx="10515600" cy="1325563"/>
+          </a:xfrm>
+        </p:spPr>
+        <p:txBody>
+          <a:bodyPr/>
+          <a:lstStyle/>
+          <a:p>
+            <a:r>
+              <a:rPr lang="en-AU" dirty="0"/>
+              <a:t>2010-2017 by nitrogen usage</a:t>
+            </a:r>
+            <a:endParaRPr lang="en-US" dirty="0"/>
+          </a:p>
+        </p:txBody>
+      </p:sp>
       <p:pic>
         <p:nvPicPr>
-          <p:cNvPr id="4" name="Picture 3">
-            <a:extLst>
-              <a:ext uri="{FF2B5EF4-FFF2-40B4-BE49-F238E27FC236}">
-                <a16:creationId xmlns:a16="http://schemas.microsoft.com/office/drawing/2014/main" id="{3D92DA2E-91C6-4F94-AB4F-0EDBA88F7625}"/>
+          <p:cNvPr id="5" name="Picture 4">
+            <a:extLst>
+              <a:ext uri="{FF2B5EF4-FFF2-40B4-BE49-F238E27FC236}">
+                <a16:creationId xmlns:a16="http://schemas.microsoft.com/office/drawing/2014/main" id="{09829CA0-84BD-4D6C-8844-5F5497417AA2}"/>
               </a:ext>
             </a:extLst>
           </p:cNvPr>
@@ -4441,48 +4475,14 @@
         </p:blipFill>
         <p:spPr>
           <a:xfrm>
-            <a:off x="1717233" y="939052"/>
-            <a:ext cx="7648440" cy="5918948"/>
+            <a:off x="1306588" y="763398"/>
+            <a:ext cx="9141905" cy="6094603"/>
           </a:xfrm>
           <a:prstGeom prst="rect">
             <a:avLst/>
           </a:prstGeom>
         </p:spPr>
       </p:pic>
-      <p:sp>
-        <p:nvSpPr>
-          <p:cNvPr id="2" name="Title 1">
-            <a:extLst>
-              <a:ext uri="{FF2B5EF4-FFF2-40B4-BE49-F238E27FC236}">
-                <a16:creationId xmlns:a16="http://schemas.microsoft.com/office/drawing/2014/main" id="{930A8E1A-D745-404F-97F0-57B90B7FB27F}"/>
-              </a:ext>
-            </a:extLst>
-          </p:cNvPr>
-          <p:cNvSpPr>
-            <a:spLocks noGrp="1"/>
-          </p:cNvSpPr>
-          <p:nvPr>
-            <p:ph type="title"/>
-          </p:nvPr>
-        </p:nvSpPr>
-        <p:spPr>
-          <a:xfrm>
-            <a:off x="163945" y="0"/>
-            <a:ext cx="10515600" cy="1325563"/>
-          </a:xfrm>
-        </p:spPr>
-        <p:txBody>
-          <a:bodyPr/>
-          <a:lstStyle/>
-          <a:p>
-            <a:r>
-              <a:rPr lang="en-AU" dirty="0"/>
-              <a:t>2010-2017 by nitrogen usage</a:t>
-            </a:r>
-            <a:endParaRPr lang="en-US" dirty="0"/>
-          </a:p>
-        </p:txBody>
-      </p:sp>
     </p:spTree>
     <p:extLst>
       <p:ext uri="{BB962C8B-B14F-4D97-AF65-F5344CB8AC3E}">
@@ -4513,12 +4513,46 @@
           <a:chExt cx="0" cy="0"/>
         </a:xfrm>
       </p:grpSpPr>
+      <p:sp>
+        <p:nvSpPr>
+          <p:cNvPr id="2" name="Title 1">
+            <a:extLst>
+              <a:ext uri="{FF2B5EF4-FFF2-40B4-BE49-F238E27FC236}">
+                <a16:creationId xmlns:a16="http://schemas.microsoft.com/office/drawing/2014/main" id="{F111ED31-DCCC-4BEF-876C-836854F8E605}"/>
+              </a:ext>
+            </a:extLst>
+          </p:cNvPr>
+          <p:cNvSpPr>
+            <a:spLocks noGrp="1"/>
+          </p:cNvSpPr>
+          <p:nvPr>
+            <p:ph type="title"/>
+          </p:nvPr>
+        </p:nvSpPr>
+        <p:spPr>
+          <a:xfrm>
+            <a:off x="471055" y="-179821"/>
+            <a:ext cx="10515600" cy="1325563"/>
+          </a:xfrm>
+        </p:spPr>
+        <p:txBody>
+          <a:bodyPr/>
+          <a:lstStyle/>
+          <a:p>
+            <a:r>
+              <a:rPr lang="en-AU" dirty="0"/>
+              <a:t>2010-2017 by pesticide use</a:t>
+            </a:r>
+            <a:endParaRPr lang="en-US" dirty="0"/>
+          </a:p>
+        </p:txBody>
+      </p:sp>
       <p:pic>
         <p:nvPicPr>
-          <p:cNvPr id="4" name="Picture 3">
-            <a:extLst>
-              <a:ext uri="{FF2B5EF4-FFF2-40B4-BE49-F238E27FC236}">
-                <a16:creationId xmlns:a16="http://schemas.microsoft.com/office/drawing/2014/main" id="{C5C83A21-08DC-4765-86B8-7ABA0D285AA9}"/>
+          <p:cNvPr id="5" name="Picture 4">
+            <a:extLst>
+              <a:ext uri="{FF2B5EF4-FFF2-40B4-BE49-F238E27FC236}">
+                <a16:creationId xmlns:a16="http://schemas.microsoft.com/office/drawing/2014/main" id="{CA5DC24E-D077-4E85-AB79-55646519B777}"/>
               </a:ext>
             </a:extLst>
           </p:cNvPr>
@@ -4535,48 +4569,14 @@
         </p:blipFill>
         <p:spPr>
           <a:xfrm>
-            <a:off x="1867323" y="855067"/>
-            <a:ext cx="7756967" cy="6002934"/>
+            <a:off x="1360058" y="723547"/>
+            <a:ext cx="9201681" cy="6134454"/>
           </a:xfrm>
           <a:prstGeom prst="rect">
             <a:avLst/>
           </a:prstGeom>
         </p:spPr>
       </p:pic>
-      <p:sp>
-        <p:nvSpPr>
-          <p:cNvPr id="2" name="Title 1">
-            <a:extLst>
-              <a:ext uri="{FF2B5EF4-FFF2-40B4-BE49-F238E27FC236}">
-                <a16:creationId xmlns:a16="http://schemas.microsoft.com/office/drawing/2014/main" id="{F111ED31-DCCC-4BEF-876C-836854F8E605}"/>
-              </a:ext>
-            </a:extLst>
-          </p:cNvPr>
-          <p:cNvSpPr>
-            <a:spLocks noGrp="1"/>
-          </p:cNvSpPr>
-          <p:nvPr>
-            <p:ph type="title"/>
-          </p:nvPr>
-        </p:nvSpPr>
-        <p:spPr>
-          <a:xfrm>
-            <a:off x="471055" y="-179821"/>
-            <a:ext cx="10515600" cy="1325563"/>
-          </a:xfrm>
-        </p:spPr>
-        <p:txBody>
-          <a:bodyPr/>
-          <a:lstStyle/>
-          <a:p>
-            <a:r>
-              <a:rPr lang="en-AU" dirty="0"/>
-              <a:t>2010-2017 by pesticide use</a:t>
-            </a:r>
-            <a:endParaRPr lang="en-US" dirty="0"/>
-          </a:p>
-        </p:txBody>
-      </p:sp>
     </p:spTree>
     <p:extLst>
       <p:ext uri="{BB962C8B-B14F-4D97-AF65-F5344CB8AC3E}">
@@ -4643,10 +4643,10 @@
       </p:sp>
       <p:pic>
         <p:nvPicPr>
-          <p:cNvPr id="4" name="Picture 3">
-            <a:extLst>
-              <a:ext uri="{FF2B5EF4-FFF2-40B4-BE49-F238E27FC236}">
-                <a16:creationId xmlns:a16="http://schemas.microsoft.com/office/drawing/2014/main" id="{F9BFC6B6-27CD-4EA1-B295-2A43113AA884}"/>
+          <p:cNvPr id="5" name="Picture 4">
+            <a:extLst>
+              <a:ext uri="{FF2B5EF4-FFF2-40B4-BE49-F238E27FC236}">
+                <a16:creationId xmlns:a16="http://schemas.microsoft.com/office/drawing/2014/main" id="{248E8368-480B-46E8-B4AC-BDB67C443076}"/>
               </a:ext>
             </a:extLst>
           </p:cNvPr>
@@ -4663,8 +4663,8 @@
         </p:blipFill>
         <p:spPr>
           <a:xfrm>
-            <a:off x="2160579" y="1003383"/>
-            <a:ext cx="7565312" cy="5854617"/>
+            <a:off x="1079028" y="933270"/>
+            <a:ext cx="8887094" cy="5924729"/>
           </a:xfrm>
           <a:prstGeom prst="rect">
             <a:avLst/>
